--- a/OS/sp17/lectures/OSsp17_lec1_intro.pptx
+++ b/OS/sp17/lectures/OSsp17_lec1_intro.pptx
@@ -5,10 +5,10 @@
     <p:sldMasterId id="2147483792" r:id="rId1"/>
   </p:sldMasterIdLst>
   <p:notesMasterIdLst>
-    <p:notesMasterId r:id="rId23"/>
+    <p:notesMasterId r:id="rId24"/>
   </p:notesMasterIdLst>
   <p:handoutMasterIdLst>
-    <p:handoutMasterId r:id="rId24"/>
+    <p:handoutMasterId r:id="rId25"/>
   </p:handoutMasterIdLst>
   <p:sldIdLst>
     <p:sldId id="256" r:id="rId2"/>
@@ -32,6 +32,7 @@
     <p:sldId id="400" r:id="rId20"/>
     <p:sldId id="401" r:id="rId21"/>
     <p:sldId id="385" r:id="rId22"/>
+    <p:sldId id="402" r:id="rId23"/>
   </p:sldIdLst>
   <p:sldSz cx="9144000" cy="6858000" type="screen4x3"/>
   <p:notesSz cx="9144000" cy="6858000"/>
@@ -2033,7 +2034,7 @@
         <p:nvSpPr>
           <p:cNvPr id="84995" name="Rectangle 2"/>
           <p:cNvSpPr>
-            <a:spLocks noChangeArrowheads="1" noTextEdit="1"/>
+            <a:spLocks noGrp="1" noRot="1" noChangeAspect="1" noChangeArrowheads="1" noTextEdit="1"/>
           </p:cNvSpPr>
           <p:nvPr>
             <p:ph type="sldImg"/>
@@ -2321,7 +2322,7 @@
           <a:p>
             <a:fld id="{E4DC5C27-7F89-C14D-A707-7B9BFB86825C}" type="datetime1">
               <a:rPr lang="en-US" smtClean="0"/>
-              <a:t>1/17/17</a:t>
+              <a:t>2/9/17</a:t>
             </a:fld>
             <a:endParaRPr lang="en-US"/>
           </a:p>
@@ -2518,7 +2519,7 @@
           <a:p>
             <a:fld id="{53042D34-D1DD-6742-8AE8-942F90E909FC}" type="datetime1">
               <a:rPr lang="en-US" smtClean="0"/>
-              <a:t>1/17/17</a:t>
+              <a:t>2/9/17</a:t>
             </a:fld>
             <a:endParaRPr lang="en-US"/>
           </a:p>
@@ -2724,7 +2725,7 @@
           <a:p>
             <a:fld id="{8F84E49A-EA7A-4A43-87CD-A1A7DB7175F2}" type="datetime1">
               <a:rPr lang="en-US" smtClean="0"/>
-              <a:t>1/17/17</a:t>
+              <a:t>2/9/17</a:t>
             </a:fld>
             <a:endParaRPr lang="en-US"/>
           </a:p>
@@ -2987,7 +2988,7 @@
           <a:p>
             <a:fld id="{B3D73F9F-38A1-2446-B437-C9D6F044B1BC}" type="datetime1">
               <a:rPr lang="en-US" smtClean="0"/>
-              <a:t>1/17/17</a:t>
+              <a:t>2/9/17</a:t>
             </a:fld>
             <a:endParaRPr lang="en-US"/>
           </a:p>
@@ -3250,7 +3251,7 @@
           <a:p>
             <a:fld id="{6A967398-A91B-AF48-B516-D2E41F9B0477}" type="datetime1">
               <a:rPr lang="en-US" smtClean="0"/>
-              <a:t>1/17/17</a:t>
+              <a:t>2/9/17</a:t>
             </a:fld>
             <a:endParaRPr lang="en-US"/>
           </a:p>
@@ -3446,7 +3447,7 @@
           <a:p>
             <a:fld id="{2BD1A3CB-CAD6-FB4B-9A5A-696854FE92B6}" type="datetime1">
               <a:rPr lang="en-US" smtClean="0"/>
-              <a:t>1/17/17</a:t>
+              <a:t>2/9/17</a:t>
             </a:fld>
             <a:endParaRPr lang="en-US"/>
           </a:p>
@@ -3664,7 +3665,7 @@
           <a:p>
             <a:fld id="{310FB839-6DC4-C047-AAE4-E0EFAC939206}" type="datetime1">
               <a:rPr lang="en-US" smtClean="0"/>
-              <a:t>1/17/17</a:t>
+              <a:t>2/9/17</a:t>
             </a:fld>
             <a:endParaRPr lang="en-US"/>
           </a:p>
@@ -3978,7 +3979,7 @@
           <a:p>
             <a:fld id="{E25D2C51-F39E-D341-BC6C-7772A835C6B0}" type="datetime1">
               <a:rPr lang="en-US" smtClean="0"/>
-              <a:t>1/17/17</a:t>
+              <a:t>2/9/17</a:t>
             </a:fld>
             <a:endParaRPr lang="en-US"/>
           </a:p>
@@ -4431,7 +4432,7 @@
           <a:p>
             <a:fld id="{E6ADF258-1ED5-6244-A107-2679C92CF45D}" type="datetime1">
               <a:rPr lang="en-US" smtClean="0"/>
-              <a:t>1/17/17</a:t>
+              <a:t>2/9/17</a:t>
             </a:fld>
             <a:endParaRPr lang="en-US"/>
           </a:p>
@@ -4575,7 +4576,7 @@
           <a:p>
             <a:fld id="{24432A6C-AC86-E14D-BA8F-94ADC904625C}" type="datetime1">
               <a:rPr lang="en-US" smtClean="0"/>
-              <a:t>1/17/17</a:t>
+              <a:t>2/9/17</a:t>
             </a:fld>
             <a:endParaRPr lang="en-US"/>
           </a:p>
@@ -4696,7 +4697,7 @@
           <a:p>
             <a:fld id="{8A8BF683-AC51-FE43-84C9-1DC7BA77A550}" type="datetime1">
               <a:rPr lang="en-US" smtClean="0"/>
-              <a:t>1/17/17</a:t>
+              <a:t>2/9/17</a:t>
             </a:fld>
             <a:endParaRPr lang="en-US"/>
           </a:p>
@@ -4999,7 +5000,7 @@
           <a:p>
             <a:fld id="{E98C5979-87AD-3D4E-BBF6-C702CA097C6D}" type="datetime1">
               <a:rPr lang="en-US" smtClean="0"/>
-              <a:t>1/17/17</a:t>
+              <a:t>2/9/17</a:t>
             </a:fld>
             <a:endParaRPr lang="en-US"/>
           </a:p>
@@ -5279,7 +5280,7 @@
           <a:p>
             <a:fld id="{5D4CF5EB-3E64-B344-A1B1-173EFD5A17C3}" type="datetime1">
               <a:rPr lang="en-US" smtClean="0"/>
-              <a:t>1/17/17</a:t>
+              <a:t>2/9/17</a:t>
             </a:fld>
             <a:endParaRPr lang="en-US"/>
           </a:p>
@@ -5578,7 +5579,7 @@
           <a:p>
             <a:fld id="{1CBC1B7C-7A97-7A4A-A896-F0191CE428A9}" type="datetime1">
               <a:rPr lang="en-US" smtClean="0"/>
-              <a:t>1/17/17</a:t>
+              <a:t>2/9/17</a:t>
             </a:fld>
             <a:endParaRPr lang="en-US"/>
           </a:p>
@@ -6300,13 +6301,7 @@
               <a:rPr lang="en-US" sz="4600" dirty="0" smtClean="0">
                 <a:latin typeface="Garamond" charset="0"/>
               </a:rPr>
-              <a:t>EECE</a:t>
-            </a:r>
-            <a:r>
-              <a:rPr lang="en-US" sz="4600" dirty="0" smtClean="0">
-                <a:latin typeface="Garamond" charset="0"/>
-              </a:rPr>
-              <a:t>.4810/EECE.5730</a:t>
+              <a:t>EECE.4810/EECE.5730</a:t>
             </a:r>
             <a:r>
               <a:rPr lang="en-US" sz="4600" dirty="0">
@@ -6478,7 +6473,13 @@
               <a:rPr lang="en-US" dirty="0" smtClean="0">
                 <a:latin typeface="Arial" charset="0"/>
               </a:rPr>
-              <a:t>Going from C to C++</a:t>
+              <a:t>Introduction to </a:t>
+            </a:r>
+            <a:r>
+              <a:rPr lang="en-US" smtClean="0">
+                <a:latin typeface="Arial" charset="0"/>
+              </a:rPr>
+              <a:t>operating systems</a:t>
             </a:r>
             <a:endParaRPr lang="en-US" dirty="0">
               <a:latin typeface="Arial" charset="0"/>
@@ -6665,7 +6666,7 @@
               <a:rPr lang="en-US" smtClean="0">
                 <a:latin typeface="Garamond" charset="0"/>
               </a:rPr>
-              <a:t>1/17/17</a:t>
+              <a:t>2/9/17</a:t>
             </a:fld>
             <a:endParaRPr lang="en-US">
               <a:latin typeface="Garamond" charset="0"/>
@@ -6901,9 +6902,6 @@
               </a:rPr>
               <a:t>Process management</a:t>
             </a:r>
-            <a:endParaRPr lang="en-US" dirty="0" smtClean="0">
-              <a:ea typeface="+mn-ea"/>
-            </a:endParaRPr>
           </a:p>
           <a:p>
             <a:pPr lvl="1">
@@ -6943,9 +6941,6 @@
               </a:rPr>
               <a:t>Synchronization</a:t>
             </a:r>
-            <a:endParaRPr lang="en-US" dirty="0" smtClean="0">
-              <a:ea typeface="+mn-ea"/>
-            </a:endParaRPr>
           </a:p>
           <a:p>
             <a:pPr>
@@ -6985,9 +6980,6 @@
               </a:rPr>
               <a:t>Virtual memory management</a:t>
             </a:r>
-            <a:endParaRPr lang="en-US" dirty="0" smtClean="0">
-              <a:ea typeface="+mn-ea"/>
-            </a:endParaRPr>
           </a:p>
           <a:p>
             <a:pPr>
@@ -7053,9 +7045,6 @@
               </a:rPr>
               <a:t>Protection and security</a:t>
             </a:r>
-            <a:endParaRPr lang="en-US" dirty="0" smtClean="0">
-              <a:ea typeface="+mn-ea"/>
-            </a:endParaRPr>
           </a:p>
           <a:p>
             <a:pPr>
@@ -7243,7 +7232,7 @@
           <a:p>
             <a:fld id="{034375E9-517C-424A-B3F4-869EB14799CB}" type="datetime1">
               <a:rPr lang="en-US" smtClean="0"/>
-              <a:t>1/17/17</a:t>
+              <a:t>2/9/17</a:t>
             </a:fld>
             <a:endParaRPr lang="en-US"/>
           </a:p>
@@ -7449,7 +7438,7 @@
           <a:p>
             <a:fld id="{46243BA7-61EA-7C49-B5AD-56354345E018}" type="datetime1">
               <a:rPr lang="en-US" smtClean="0"/>
-              <a:t>1/17/17</a:t>
+              <a:t>2/9/17</a:t>
             </a:fld>
             <a:endParaRPr lang="en-US"/>
           </a:p>
@@ -7698,7 +7687,7 @@
           <a:p>
             <a:fld id="{062187AB-0A0A-334F-BA6D-16DEB3A5D4DE}" type="datetime1">
               <a:rPr lang="en-US" smtClean="0"/>
-              <a:t>1/17/17</a:t>
+              <a:t>2/9/17</a:t>
             </a:fld>
             <a:endParaRPr lang="en-US"/>
           </a:p>
@@ -7886,7 +7875,7 @@
           <a:p>
             <a:fld id="{83E81601-1CBB-BC4E-9206-CB96E043D7F5}" type="datetime1">
               <a:rPr lang="en-US" smtClean="0"/>
-              <a:t>1/17/17</a:t>
+              <a:t>2/9/17</a:t>
             </a:fld>
             <a:endParaRPr lang="en-US"/>
           </a:p>
@@ -8107,7 +8096,7 @@
           <a:p>
             <a:fld id="{0A14F98D-EF4D-4342-8146-8A8D68923649}" type="datetime1">
               <a:rPr lang="en-US" smtClean="0"/>
-              <a:t>1/17/17</a:t>
+              <a:t>2/9/17</a:t>
             </a:fld>
             <a:endParaRPr lang="en-US"/>
           </a:p>
@@ -8341,7 +8330,7 @@
           <a:p>
             <a:fld id="{7E7BE1BA-DB4A-2B43-B88C-F61396622ECF}" type="datetime1">
               <a:rPr lang="en-US" smtClean="0"/>
-              <a:t>1/17/17</a:t>
+              <a:t>2/9/17</a:t>
             </a:fld>
             <a:endParaRPr lang="en-US"/>
           </a:p>
@@ -8554,7 +8543,7 @@
           <a:p>
             <a:fld id="{702A4C3A-8B32-CD47-B6DB-E6FD18234C82}" type="datetime1">
               <a:rPr lang="en-US" smtClean="0"/>
-              <a:t>1/17/17</a:t>
+              <a:t>2/9/17</a:t>
             </a:fld>
             <a:endParaRPr lang="en-US"/>
           </a:p>
@@ -8721,7 +8710,7 @@
           <a:p>
             <a:fld id="{E007CA95-904C-3546-8FC1-6C50091966F4}" type="datetime1">
               <a:rPr lang="en-US" smtClean="0"/>
-              <a:t>1/17/17</a:t>
+              <a:t>2/9/17</a:t>
             </a:fld>
             <a:endParaRPr lang="en-US"/>
           </a:p>
@@ -9005,7 +8994,7 @@
           <a:p>
             <a:fld id="{3645CF18-1788-734E-8C01-86341786C84D}" type="datetime1">
               <a:rPr lang="en-US" smtClean="0"/>
-              <a:t>1/17/17</a:t>
+              <a:t>2/9/17</a:t>
             </a:fld>
             <a:endParaRPr lang="en-US"/>
           </a:p>
@@ -9314,7 +9303,7 @@
                 <a:latin typeface="Garamond"/>
                 <a:cs typeface="Garamond"/>
               </a:rPr>
-              <a:t>1/17/17</a:t>
+              <a:t>2/9/17</a:t>
             </a:fld>
             <a:endParaRPr lang="en-US" dirty="0">
               <a:latin typeface="Garamond"/>
@@ -9648,7 +9637,7 @@
           <a:p>
             <a:fld id="{F92C5485-D962-1644-A8D9-811F4757C802}" type="datetime1">
               <a:rPr lang="en-US" smtClean="0"/>
-              <a:t>1/17/17</a:t>
+              <a:t>2/9/17</a:t>
             </a:fld>
             <a:endParaRPr lang="en-US"/>
           </a:p>
@@ -9776,35 +9765,21 @@
           <a:p>
             <a:r>
               <a:rPr lang="en-US" dirty="0" smtClean="0"/>
-              <a:t>Next time: </a:t>
-            </a:r>
+              <a:t>Next time: start processes and process management</a:t>
+            </a:r>
+          </a:p>
+          <a:p>
             <a:r>
               <a:rPr lang="en-US" dirty="0" smtClean="0"/>
-              <a:t>start processes and process management</a:t>
-            </a:r>
-            <a:endParaRPr lang="en-US" dirty="0" smtClean="0"/>
-          </a:p>
-          <a:p>
+              <a:t>Reminders:</a:t>
+            </a:r>
+          </a:p>
+          <a:p>
+            <a:pPr lvl="1"/>
             <a:r>
               <a:rPr lang="en-US" dirty="0" smtClean="0"/>
-              <a:t>Reminders</a:t>
-            </a:r>
-            <a:r>
-              <a:rPr lang="en-US" dirty="0" smtClean="0"/>
-              <a:t>:</a:t>
-            </a:r>
-          </a:p>
-          <a:p>
-            <a:pPr lvl="1"/>
-            <a:r>
-              <a:rPr lang="en-US" dirty="0" smtClean="0"/>
-              <a:t>Sign up for the course discussion group on Piazza</a:t>
-            </a:r>
-            <a:r>
-              <a:rPr lang="en-US" dirty="0" smtClean="0"/>
-              <a:t>!</a:t>
-            </a:r>
-            <a:endParaRPr lang="en-US" dirty="0" smtClean="0"/>
+              <a:t>Sign up for the course discussion group on Piazza!</a:t>
+            </a:r>
           </a:p>
         </p:txBody>
       </p:sp>
@@ -9940,7 +9915,7 @@
           <a:p>
             <a:fld id="{11EDB913-4925-CC49-9CC0-2902113BF61A}" type="datetime1">
               <a:rPr lang="en-US" smtClean="0"/>
-              <a:t>1/17/17</a:t>
+              <a:t>2/9/17</a:t>
             </a:fld>
             <a:endParaRPr lang="en-US"/>
           </a:p>
@@ -10120,6 +10095,197 @@
       </p:par>
     </p:tnLst>
   </p:timing>
+</p:sld>
+</file>
+
+<file path=ppt/slides/slide22.xml><?xml version="1.0" encoding="utf-8"?>
+<p:sld xmlns:a="http://schemas.openxmlformats.org/drawingml/2006/main" xmlns:r="http://schemas.openxmlformats.org/officeDocument/2006/relationships" xmlns:p="http://schemas.openxmlformats.org/presentationml/2006/main">
+  <p:cSld>
+    <p:spTree>
+      <p:nvGrpSpPr>
+        <p:cNvPr id="1" name=""/>
+        <p:cNvGrpSpPr/>
+        <p:nvPr/>
+      </p:nvGrpSpPr>
+      <p:grpSpPr>
+        <a:xfrm>
+          <a:off x="0" y="0"/>
+          <a:ext cx="0" cy="0"/>
+          <a:chOff x="0" y="0"/>
+          <a:chExt cx="0" cy="0"/>
+        </a:xfrm>
+      </p:grpSpPr>
+      <p:sp>
+        <p:nvSpPr>
+          <p:cNvPr id="2" name="Title 1"/>
+          <p:cNvSpPr>
+            <a:spLocks noGrp="1"/>
+          </p:cNvSpPr>
+          <p:nvPr>
+            <p:ph type="title"/>
+          </p:nvPr>
+        </p:nvSpPr>
+        <p:spPr/>
+        <p:txBody>
+          <a:bodyPr/>
+          <a:lstStyle/>
+          <a:p>
+            <a:r>
+              <a:rPr lang="en-US" smtClean="0"/>
+              <a:t>Acknowledgements</a:t>
+            </a:r>
+            <a:endParaRPr lang="en-US" dirty="0"/>
+          </a:p>
+        </p:txBody>
+      </p:sp>
+      <p:sp>
+        <p:nvSpPr>
+          <p:cNvPr id="3" name="Content Placeholder 2"/>
+          <p:cNvSpPr>
+            <a:spLocks noGrp="1"/>
+          </p:cNvSpPr>
+          <p:nvPr>
+            <p:ph idx="1"/>
+          </p:nvPr>
+        </p:nvSpPr>
+        <p:spPr/>
+        <p:txBody>
+          <a:bodyPr/>
+          <a:lstStyle/>
+          <a:p>
+            <a:r>
+              <a:rPr lang="en-US" dirty="0" smtClean="0"/>
+              <a:t>These slides are adapted from the following sources:</a:t>
+            </a:r>
+          </a:p>
+          <a:p>
+            <a:pPr lvl="1"/>
+            <a:r>
+              <a:rPr lang="en-US" dirty="0" err="1" smtClean="0"/>
+              <a:t>Silberschatz</a:t>
+            </a:r>
+            <a:r>
+              <a:rPr lang="en-US" dirty="0" smtClean="0"/>
+              <a:t>, Galvin, &amp; Gagne, </a:t>
+            </a:r>
+            <a:r>
+              <a:rPr lang="en-US" i="1" dirty="0" smtClean="0"/>
+              <a:t>Operating Systems Concepts</a:t>
+            </a:r>
+            <a:r>
+              <a:rPr lang="en-US" dirty="0" smtClean="0"/>
+              <a:t>, 9</a:t>
+            </a:r>
+            <a:r>
+              <a:rPr lang="en-US" baseline="30000" dirty="0" smtClean="0"/>
+              <a:t>th</a:t>
+            </a:r>
+            <a:r>
+              <a:rPr lang="en-US" dirty="0" smtClean="0"/>
+              <a:t> edition</a:t>
+            </a:r>
+          </a:p>
+          <a:p>
+            <a:pPr lvl="1"/>
+            <a:r>
+              <a:rPr lang="en-US" dirty="0" smtClean="0"/>
+              <a:t>Chen &amp; </a:t>
+            </a:r>
+            <a:r>
+              <a:rPr lang="en-US" dirty="0" err="1" smtClean="0"/>
+              <a:t>Madhyastha</a:t>
+            </a:r>
+            <a:r>
+              <a:rPr lang="en-US" dirty="0" smtClean="0"/>
+              <a:t>, EECS 482 lecture notes, University of Michigan, Fall 2016</a:t>
+            </a:r>
+            <a:endParaRPr lang="en-US" dirty="0"/>
+          </a:p>
+        </p:txBody>
+      </p:sp>
+      <p:sp>
+        <p:nvSpPr>
+          <p:cNvPr id="4" name="Date Placeholder 3"/>
+          <p:cNvSpPr>
+            <a:spLocks noGrp="1"/>
+          </p:cNvSpPr>
+          <p:nvPr>
+            <p:ph type="dt" sz="half" idx="10"/>
+          </p:nvPr>
+        </p:nvSpPr>
+        <p:spPr/>
+        <p:txBody>
+          <a:bodyPr/>
+          <a:lstStyle/>
+          <a:p>
+            <a:fld id="{2BD1A3CB-CAD6-FB4B-9A5A-696854FE92B6}" type="datetime1">
+              <a:rPr lang="en-US" smtClean="0"/>
+              <a:t>2/9/17</a:t>
+            </a:fld>
+            <a:endParaRPr lang="en-US"/>
+          </a:p>
+        </p:txBody>
+      </p:sp>
+      <p:sp>
+        <p:nvSpPr>
+          <p:cNvPr id="5" name="Footer Placeholder 4"/>
+          <p:cNvSpPr>
+            <a:spLocks noGrp="1"/>
+          </p:cNvSpPr>
+          <p:nvPr>
+            <p:ph type="ftr" sz="quarter" idx="11"/>
+          </p:nvPr>
+        </p:nvSpPr>
+        <p:spPr/>
+        <p:txBody>
+          <a:bodyPr/>
+          <a:lstStyle/>
+          <a:p>
+            <a:pPr>
+              <a:defRPr/>
+            </a:pPr>
+            <a:r>
+              <a:rPr lang="en-US" altLang="en-US" smtClean="0"/>
+              <a:t>Operating Systems: Lecture 1</a:t>
+            </a:r>
+            <a:endParaRPr lang="en-US" altLang="en-US"/>
+          </a:p>
+        </p:txBody>
+      </p:sp>
+      <p:sp>
+        <p:nvSpPr>
+          <p:cNvPr id="6" name="Slide Number Placeholder 5"/>
+          <p:cNvSpPr>
+            <a:spLocks noGrp="1"/>
+          </p:cNvSpPr>
+          <p:nvPr>
+            <p:ph type="sldNum" sz="quarter" idx="12"/>
+          </p:nvPr>
+        </p:nvSpPr>
+        <p:spPr/>
+        <p:txBody>
+          <a:bodyPr/>
+          <a:lstStyle/>
+          <a:p>
+            <a:fld id="{2907D84A-D9E1-964C-B1EF-5C5C24A64F29}" type="slidenum">
+              <a:rPr lang="en-US" smtClean="0"/>
+              <a:pPr/>
+              <a:t>22</a:t>
+            </a:fld>
+            <a:endParaRPr lang="en-US"/>
+          </a:p>
+        </p:txBody>
+      </p:sp>
+    </p:spTree>
+    <p:extLst>
+      <p:ext uri="{BB962C8B-B14F-4D97-AF65-F5344CB8AC3E}">
+        <p14:creationId xmlns:p14="http://schemas.microsoft.com/office/powerpoint/2010/main" val="2194200091"/>
+      </p:ext>
+    </p:extLst>
+  </p:cSld>
+  <p:clrMapOvr>
+    <a:masterClrMapping/>
+  </p:clrMapOvr>
 </p:sld>
 </file>
 
@@ -10275,7 +10441,7 @@
               <a:rPr lang="en-US" smtClean="0">
                 <a:latin typeface="Garamond" charset="0"/>
               </a:rPr>
-              <a:t>1/17/17</a:t>
+              <a:t>2/9/17</a:t>
             </a:fld>
             <a:endParaRPr lang="en-US">
               <a:latin typeface="Garamond" charset="0"/>
@@ -10999,7 +11165,7 @@
               <a:rPr lang="en-US" smtClean="0">
                 <a:latin typeface="Garamond" charset="0"/>
               </a:rPr>
-              <a:t>1/17/17</a:t>
+              <a:t>2/9/17</a:t>
             </a:fld>
             <a:endParaRPr lang="en-US">
               <a:latin typeface="Garamond" charset="0"/>
@@ -11274,22 +11440,11 @@
                 <a:ea typeface="+mn-ea"/>
                 <a:cs typeface="+mn-cs"/>
               </a:rPr>
-              <a:t>ISBN</a:t>
-            </a:r>
-            <a:r>
-              <a:rPr lang="en-US" dirty="0" smtClean="0">
-                <a:ea typeface="+mn-ea"/>
-                <a:cs typeface="+mn-cs"/>
-              </a:rPr>
-              <a:t>: </a:t>
+              <a:t>ISBN: </a:t>
             </a:r>
             <a:r>
               <a:rPr lang="en-US" dirty="0"/>
-              <a:t>978-1118063330</a:t>
-            </a:r>
-            <a:r>
-              <a:rPr lang="en-US" dirty="0"/>
-              <a:t> </a:t>
+              <a:t>978-1118063330 </a:t>
             </a:r>
             <a:r>
               <a:rPr lang="en-US" dirty="0" smtClean="0"/>
@@ -11313,16 +11468,7 @@
                 </a:solidFill>
                 <a:ea typeface="+mn-ea"/>
               </a:rPr>
-              <a:t>Course tools</a:t>
-            </a:r>
-            <a:r>
-              <a:rPr lang="en-US" dirty="0" smtClean="0">
-                <a:solidFill>
-                  <a:srgbClr val="0000FF"/>
-                </a:solidFill>
-                <a:ea typeface="+mn-ea"/>
-              </a:rPr>
-              <a:t>: </a:t>
+              <a:t>Course tools: </a:t>
             </a:r>
             <a:r>
               <a:rPr lang="en-US" dirty="0" smtClean="0">
@@ -11466,16 +11612,7 @@
                 </a:solidFill>
                 <a:latin typeface="Arial" charset="0"/>
               </a:rPr>
-              <a:t>/OS/</a:t>
-            </a:r>
-            <a:r>
-              <a:rPr lang="en-US" sz="2400" dirty="0" smtClean="0">
-                <a:solidFill>
-                  <a:srgbClr val="0000FF"/>
-                </a:solidFill>
-                <a:latin typeface="Arial" charset="0"/>
-              </a:rPr>
-              <a:t>sp17/</a:t>
+              <a:t>/OS/sp17/</a:t>
             </a:r>
             <a:r>
               <a:rPr lang="en-US" sz="2400" dirty="0" err="1">
@@ -11522,16 +11659,7 @@
                 </a:solidFill>
                 <a:latin typeface="Arial" charset="0"/>
               </a:rPr>
-              <a:t>/OS/</a:t>
-            </a:r>
-            <a:r>
-              <a:rPr lang="en-US" sz="2400" dirty="0" smtClean="0">
-                <a:solidFill>
-                  <a:srgbClr val="0000FF"/>
-                </a:solidFill>
-                <a:latin typeface="Arial" charset="0"/>
-              </a:rPr>
-              <a:t>sp17/</a:t>
+              <a:t>/OS/sp17/</a:t>
             </a:r>
             <a:r>
               <a:rPr lang="en-US" sz="2400" dirty="0" err="1" smtClean="0">
@@ -11787,7 +11915,7 @@
               <a:rPr lang="en-US" smtClean="0">
                 <a:latin typeface="Garamond" charset="0"/>
               </a:rPr>
-              <a:t>1/17/17</a:t>
+              <a:t>2/9/17</a:t>
             </a:fld>
             <a:endParaRPr lang="en-US">
               <a:latin typeface="Garamond" charset="0"/>
@@ -12234,7 +12362,7 @@
                 <a:latin typeface="Garamond"/>
                 <a:cs typeface="Garamond"/>
               </a:rPr>
-              <a:t>1/17/17</a:t>
+              <a:t>2/9/17</a:t>
             </a:fld>
             <a:endParaRPr lang="en-US" dirty="0">
               <a:latin typeface="Garamond"/>
@@ -12672,7 +12800,7 @@
           <a:p>
             <a:fld id="{D2C89100-5665-6F49-8254-0C542AB2BB2E}" type="datetime1">
               <a:rPr lang="en-US" smtClean="0"/>
-              <a:t>1/17/17</a:t>
+              <a:t>2/9/17</a:t>
             </a:fld>
             <a:endParaRPr lang="en-US"/>
           </a:p>
@@ -13024,7 +13152,7 @@
           <a:p>
             <a:fld id="{FCE6B72E-0702-1F42-968D-F96D9D91C761}" type="datetime1">
               <a:rPr lang="en-US" smtClean="0"/>
-              <a:t>1/17/17</a:t>
+              <a:t>2/9/17</a:t>
             </a:fld>
             <a:endParaRPr lang="en-US"/>
           </a:p>
@@ -13252,7 +13380,7 @@
               <a:rPr lang="en-US" smtClean="0">
                 <a:latin typeface="Garamond" charset="0"/>
               </a:rPr>
-              <a:t>1/17/17</a:t>
+              <a:t>2/9/17</a:t>
             </a:fld>
             <a:endParaRPr lang="en-US">
               <a:latin typeface="Garamond" charset="0"/>
